--- a/trunk/Fall 2009 notes/Algorithm Design and Analysis/Extra Credit/Dynamic Gaze-Contingent Rendering Complexity Scaling.pptx
+++ b/trunk/Fall 2009 notes/Algorithm Design and Analysis/Extra Credit/Dynamic Gaze-Contingent Rendering Complexity Scaling.pptx
@@ -5,7 +5,7 @@
     <p:sldMasterId id="2147483648" r:id="rId1"/>
   </p:sldMasterIdLst>
   <p:notesMasterIdLst>
-    <p:notesMasterId r:id="rId34"/>
+    <p:notesMasterId r:id="rId36"/>
   </p:notesMasterIdLst>
   <p:sldIdLst>
     <p:sldId id="256" r:id="rId2"/>
@@ -37,9 +37,11 @@
     <p:sldId id="286" r:id="rId28"/>
     <p:sldId id="274" r:id="rId29"/>
     <p:sldId id="283" r:id="rId30"/>
-    <p:sldId id="266" r:id="rId31"/>
-    <p:sldId id="284" r:id="rId32"/>
-    <p:sldId id="287" r:id="rId33"/>
+    <p:sldId id="289" r:id="rId31"/>
+    <p:sldId id="266" r:id="rId32"/>
+    <p:sldId id="284" r:id="rId33"/>
+    <p:sldId id="287" r:id="rId34"/>
+    <p:sldId id="288" r:id="rId35"/>
   </p:sldIdLst>
   <p:sldSz cx="9144000" cy="6858000" type="screen4x3"/>
   <p:notesSz cx="6858000" cy="9144000"/>
@@ -788,7 +790,7 @@
           <a:p>
             <a:fld id="{F8A007E2-AF0D-4A9D-A80D-844CA20CFD10}" type="slidenum">
               <a:rPr lang="en-US" smtClean="0"/>
-              <a:t>30</a:t>
+              <a:t>31</a:t>
             </a:fld>
             <a:endParaRPr lang="en-US"/>
           </a:p>
@@ -5757,7 +5759,7 @@
           <a:p>
             <a:r>
               <a:rPr lang="en-US" dirty="0" smtClean="0"/>
-              <a:t>Ideal Performance Characteristics</a:t>
+              <a:t>Idealistic Goals</a:t>
             </a:r>
             <a:endParaRPr lang="en-US" dirty="0"/>
           </a:p>
@@ -5784,10 +5786,16 @@
             </a:r>
           </a:p>
           <a:p>
-            <a:r>
-              <a:rPr lang="en-US" dirty="0" smtClean="0"/>
-              <a:t>Unnoticeable degradation</a:t>
-            </a:r>
+            <a:endParaRPr lang="en-US" dirty="0" smtClean="0"/>
+          </a:p>
+          <a:p>
+            <a:r>
+              <a:rPr lang="en-US" dirty="0" smtClean="0"/>
+              <a:t>Unnoticeable degradation of effect</a:t>
+            </a:r>
+          </a:p>
+          <a:p>
+            <a:endParaRPr lang="en-US" dirty="0" smtClean="0"/>
           </a:p>
           <a:p>
             <a:r>
@@ -5796,6 +5804,7 @@
             </a:r>
           </a:p>
           <a:p>
+            <a:pPr lvl="1"/>
             <a:r>
               <a:rPr lang="en-US" dirty="0" smtClean="0"/>
               <a:t>Everyone’s happy!</a:t>
@@ -5969,14 +5978,10 @@
         </p:nvSpPr>
         <p:spPr/>
         <p:txBody>
-          <a:bodyPr/>
-          <a:lstStyle/>
-          <a:p>
-            <a:endParaRPr lang="en-US" dirty="0" smtClean="0"/>
-          </a:p>
-          <a:p>
-            <a:endParaRPr lang="en-US" dirty="0"/>
-          </a:p>
+          <a:bodyPr>
+            <a:normAutofit fontScale="92500"/>
+          </a:bodyPr>
+          <a:lstStyle/>
           <a:p>
             <a:r>
               <a:rPr lang="en-US" dirty="0" err="1" smtClean="0"/>
@@ -6004,7 +6009,21 @@
             </a:r>
           </a:p>
           <a:p>
+            <a:pPr lvl="1"/>
             <a:endParaRPr lang="en-US" dirty="0" smtClean="0"/>
+          </a:p>
+          <a:p>
+            <a:r>
+              <a:rPr lang="en-US" dirty="0" smtClean="0"/>
+              <a:t>Updating mouse position creates massive slowdown while mouse is moving</a:t>
+            </a:r>
+          </a:p>
+          <a:p>
+            <a:pPr lvl="1"/>
+            <a:r>
+              <a:rPr lang="en-US" dirty="0" smtClean="0"/>
+              <a:t>Still was &gt;400FPS in the example with mouse waving</a:t>
+            </a:r>
           </a:p>
         </p:txBody>
       </p:sp>
@@ -6652,7 +6671,9 @@
         </p:nvSpPr>
         <p:spPr/>
         <p:txBody>
-          <a:bodyPr/>
+          <a:bodyPr>
+            <a:normAutofit fontScale="92500"/>
+          </a:bodyPr>
           <a:lstStyle/>
           <a:p>
             <a:endParaRPr lang="en-US" dirty="0" smtClean="0"/>
@@ -6660,30 +6681,32 @@
           <a:p>
             <a:r>
               <a:rPr lang="en-US" dirty="0" smtClean="0"/>
-              <a:t>GPU branching needs to be made more efficient, or</a:t>
-            </a:r>
-          </a:p>
-          <a:p>
-            <a:r>
-              <a:rPr lang="en-US" dirty="0" smtClean="0"/>
-              <a:t>Specific effects can be modified to be scaled without a branch (using the </a:t>
-            </a:r>
-            <a:r>
-              <a:rPr lang="en-US" dirty="0" err="1" smtClean="0"/>
-              <a:t>boolean</a:t>
-            </a:r>
-            <a:r>
-              <a:rPr lang="en-US" dirty="0" smtClean="0"/>
-              <a:t> In/Out of Range value directly in the calculation, possibly)</a:t>
+              <a:t>GPU branching needs to be made more efficient</a:t>
+            </a:r>
+          </a:p>
+          <a:p>
+            <a:r>
+              <a:rPr lang="en-US" dirty="0" smtClean="0"/>
+              <a:t>Use effects that are so complicated to calculate that the speed improvement is worth the branching slowdown</a:t>
+            </a:r>
+          </a:p>
+          <a:p>
+            <a:r>
+              <a:rPr lang="en-US" dirty="0" smtClean="0"/>
+              <a:t>Modify specific effects to be scaled without a branch (using the distance from center directly)</a:t>
             </a:r>
           </a:p>
           <a:p>
             <a:pPr lvl="1"/>
             <a:r>
               <a:rPr lang="en-US" dirty="0" smtClean="0"/>
-              <a:t>But this solution is not as universal as the original.</a:t>
-            </a:r>
-            <a:endParaRPr lang="en-US" dirty="0"/>
+              <a:t>But this solution is not as universal as the original and relies on </a:t>
+            </a:r>
+            <a:r>
+              <a:rPr lang="en-US" smtClean="0"/>
+              <a:t>the implementer too much</a:t>
+            </a:r>
+            <a:endParaRPr lang="en-US" dirty="0" smtClean="0"/>
           </a:p>
         </p:txBody>
       </p:sp>
@@ -6865,11 +6888,7 @@
           <a:bodyPr/>
           <a:lstStyle/>
           <a:p>
-            <a:r>
-              <a:rPr lang="en-US" dirty="0" smtClean="0"/>
-              <a:t>Other ways to speed up games</a:t>
-            </a:r>
-            <a:endParaRPr lang="en-US" dirty="0"/>
+            <a:endParaRPr lang="en-US"/>
           </a:p>
         </p:txBody>
       </p:sp>
@@ -6888,74 +6907,7 @@
           <a:bodyPr/>
           <a:lstStyle/>
           <a:p>
-            <a:r>
-              <a:rPr lang="en-US" dirty="0" smtClean="0"/>
-              <a:t>Dynamic model complexity scaling</a:t>
-            </a:r>
-          </a:p>
-          <a:p>
-            <a:pPr lvl="1"/>
-            <a:r>
-              <a:rPr lang="en-US" dirty="0" smtClean="0"/>
-              <a:t>This would be implemented in the engine, not </a:t>
-            </a:r>
-            <a:r>
-              <a:rPr lang="en-US" dirty="0" err="1" smtClean="0"/>
-              <a:t>shaders</a:t>
-            </a:r>
-            <a:endParaRPr lang="en-US" dirty="0" smtClean="0"/>
-          </a:p>
-          <a:p>
-            <a:r>
-              <a:rPr lang="en-US" dirty="0" smtClean="0"/>
-              <a:t>Vertex </a:t>
-            </a:r>
-            <a:r>
-              <a:rPr lang="en-US" dirty="0" err="1" smtClean="0"/>
-              <a:t>Shader</a:t>
-            </a:r>
-            <a:r>
-              <a:rPr lang="en-US" dirty="0" smtClean="0"/>
-              <a:t> scaling</a:t>
-            </a:r>
-          </a:p>
-          <a:p>
-            <a:pPr lvl="1"/>
-            <a:r>
-              <a:rPr lang="en-US" dirty="0" smtClean="0"/>
-              <a:t>This is a logical progression from the pixel </a:t>
-            </a:r>
-            <a:r>
-              <a:rPr lang="en-US" dirty="0" err="1" smtClean="0"/>
-              <a:t>shader</a:t>
-            </a:r>
-            <a:r>
-              <a:rPr lang="en-US" dirty="0" smtClean="0"/>
-              <a:t> approach and is essentially identical</a:t>
-            </a:r>
-            <a:endParaRPr lang="en-US" dirty="0"/>
-          </a:p>
-          <a:p>
-            <a:r>
-              <a:rPr lang="en-US" dirty="0" smtClean="0"/>
-              <a:t>Geometry </a:t>
-            </a:r>
-            <a:r>
-              <a:rPr lang="en-US" dirty="0" err="1" smtClean="0"/>
-              <a:t>Shader</a:t>
-            </a:r>
-            <a:r>
-              <a:rPr lang="en-US" dirty="0" smtClean="0"/>
-              <a:t> scaling</a:t>
-            </a:r>
-          </a:p>
-          <a:p>
-            <a:pPr lvl="1"/>
-            <a:r>
-              <a:rPr lang="en-US" dirty="0" smtClean="0"/>
-              <a:t>Same as above</a:t>
-            </a:r>
-            <a:endParaRPr lang="en-US" dirty="0"/>
+            <a:endParaRPr lang="en-US"/>
           </a:p>
         </p:txBody>
       </p:sp>
@@ -6964,13 +6916,6 @@
   <p:clrMapOvr>
     <a:masterClrMapping/>
   </p:clrMapOvr>
-  <p:timing>
-    <p:tnLst>
-      <p:par>
-        <p:cTn id="1" dur="indefinite" restart="never" nodeType="tmRoot"/>
-      </p:par>
-    </p:tnLst>
-  </p:timing>
 </p:sld>
 </file>
 
@@ -7003,14 +6948,53 @@
         </p:nvSpPr>
         <p:spPr/>
         <p:txBody>
-          <a:bodyPr>
-            <a:normAutofit/>
-          </a:bodyPr>
-          <a:lstStyle/>
-          <a:p>
-            <a:r>
-              <a:rPr lang="en-US" dirty="0" smtClean="0"/>
-              <a:t>Fragment </a:t>
+          <a:bodyPr/>
+          <a:lstStyle/>
+          <a:p>
+            <a:r>
+              <a:rPr lang="en-US" dirty="0" smtClean="0"/>
+              <a:t>Other ways to speed up games</a:t>
+            </a:r>
+            <a:endParaRPr lang="en-US" dirty="0"/>
+          </a:p>
+        </p:txBody>
+      </p:sp>
+      <p:sp>
+        <p:nvSpPr>
+          <p:cNvPr id="3" name="Content Placeholder 2"/>
+          <p:cNvSpPr>
+            <a:spLocks noGrp="1"/>
+          </p:cNvSpPr>
+          <p:nvPr>
+            <p:ph idx="1"/>
+          </p:nvPr>
+        </p:nvSpPr>
+        <p:spPr/>
+        <p:txBody>
+          <a:bodyPr/>
+          <a:lstStyle/>
+          <a:p>
+            <a:r>
+              <a:rPr lang="en-US" dirty="0" smtClean="0"/>
+              <a:t>Dynamic model complexity scaling</a:t>
+            </a:r>
+          </a:p>
+          <a:p>
+            <a:pPr lvl="1"/>
+            <a:r>
+              <a:rPr lang="en-US" dirty="0" smtClean="0"/>
+              <a:t>This would be implemented in the engine, not </a:t>
+            </a:r>
+            <a:r>
+              <a:rPr lang="en-US" dirty="0" err="1" smtClean="0"/>
+              <a:t>shaders</a:t>
+            </a:r>
+            <a:endParaRPr lang="en-US" dirty="0" smtClean="0"/>
+          </a:p>
+          <a:p>
+            <a:r>
+              <a:rPr lang="en-US" dirty="0" smtClean="0"/>
+              <a:t>Vertex </a:t>
             </a:r>
             <a:r>
               <a:rPr lang="en-US" dirty="0" err="1" smtClean="0"/>
@@ -7018,186 +7002,45 @@
             </a:r>
             <a:r>
               <a:rPr lang="en-US" dirty="0" smtClean="0"/>
-              <a:t> definition</a:t>
+              <a:t> scaling</a:t>
+            </a:r>
+          </a:p>
+          <a:p>
+            <a:pPr lvl="1"/>
+            <a:r>
+              <a:rPr lang="en-US" dirty="0" smtClean="0"/>
+              <a:t>This is a logical progression from the pixel </a:t>
+            </a:r>
+            <a:r>
+              <a:rPr lang="en-US" dirty="0" err="1" smtClean="0"/>
+              <a:t>shader</a:t>
+            </a:r>
+            <a:r>
+              <a:rPr lang="en-US" dirty="0" smtClean="0"/>
+              <a:t> approach and is essentially identical</a:t>
             </a:r>
             <a:endParaRPr lang="en-US" dirty="0"/>
           </a:p>
-        </p:txBody>
-      </p:sp>
-      <p:sp>
-        <p:nvSpPr>
-          <p:cNvPr id="3" name="Content Placeholder 2"/>
-          <p:cNvSpPr>
-            <a:spLocks noGrp="1"/>
-          </p:cNvSpPr>
-          <p:nvPr>
-            <p:ph idx="1"/>
-          </p:nvPr>
-        </p:nvSpPr>
-        <p:spPr/>
-        <p:txBody>
-          <a:bodyPr>
-            <a:normAutofit fontScale="85000" lnSpcReduction="20000"/>
-          </a:bodyPr>
-          <a:lstStyle/>
-          <a:p>
-            <a:pPr>
-              <a:buNone/>
-            </a:pPr>
-            <a:r>
-              <a:rPr lang="en-US" dirty="0" smtClean="0"/>
-              <a:t>void </a:t>
+          <a:p>
+            <a:r>
+              <a:rPr lang="en-US" dirty="0" smtClean="0"/>
+              <a:t>Geometry </a:t>
             </a:r>
             <a:r>
               <a:rPr lang="en-US" dirty="0" err="1" smtClean="0"/>
-              <a:t>fshader</a:t>
-            </a:r>
-            <a:r>
-              <a:rPr lang="en-US" dirty="0" smtClean="0"/>
-              <a:t>(float4 </a:t>
-            </a:r>
-            <a:r>
-              <a:rPr lang="en-US" dirty="0" err="1" smtClean="0"/>
-              <a:t>l_position</a:t>
-            </a:r>
-            <a:r>
-              <a:rPr lang="en-US" dirty="0" smtClean="0"/>
-              <a:t> : POSITION,</a:t>
-            </a:r>
-          </a:p>
-          <a:p>
-            <a:pPr>
-              <a:buNone/>
-            </a:pPr>
-            <a:r>
-              <a:rPr lang="en-US" dirty="0" smtClean="0"/>
-              <a:t>             float4 </a:t>
-            </a:r>
-            <a:r>
-              <a:rPr lang="en-US" dirty="0" err="1" smtClean="0"/>
-              <a:t>l_my_position</a:t>
-            </a:r>
-            <a:r>
-              <a:rPr lang="en-US" dirty="0" smtClean="0"/>
-              <a:t>: TEXCOORD0,</a:t>
-            </a:r>
-          </a:p>
-          <a:p>
-            <a:pPr>
-              <a:buNone/>
-            </a:pPr>
-            <a:r>
-              <a:rPr lang="en-US" dirty="0" smtClean="0"/>
-              <a:t>		 float2 l_texcoord0,</a:t>
-            </a:r>
-          </a:p>
-          <a:p>
-            <a:pPr>
-              <a:buNone/>
-            </a:pPr>
-            <a:r>
-              <a:rPr lang="en-US" dirty="0" smtClean="0"/>
-              <a:t>             float3 </a:t>
-            </a:r>
-            <a:r>
-              <a:rPr lang="en-US" dirty="0" err="1" smtClean="0"/>
-              <a:t>l_lightvec</a:t>
-            </a:r>
-            <a:r>
-              <a:rPr lang="en-US" dirty="0" smtClean="0"/>
-              <a:t>,</a:t>
-            </a:r>
-          </a:p>
-          <a:p>
-            <a:pPr>
-              <a:buNone/>
-            </a:pPr>
-            <a:r>
-              <a:rPr lang="en-US" dirty="0" smtClean="0"/>
-              <a:t>             float3 </a:t>
-            </a:r>
-            <a:r>
-              <a:rPr lang="en-US" dirty="0" err="1" smtClean="0"/>
-              <a:t>l_pointpos</a:t>
-            </a:r>
-            <a:r>
-              <a:rPr lang="en-US" dirty="0" smtClean="0"/>
-              <a:t>,</a:t>
-            </a:r>
-          </a:p>
-          <a:p>
-            <a:pPr>
-              <a:buNone/>
-            </a:pPr>
-            <a:r>
-              <a:rPr lang="en-US" dirty="0" smtClean="0"/>
-              <a:t>             uniform float4 </a:t>
-            </a:r>
-            <a:r>
-              <a:rPr lang="en-US" dirty="0" err="1" smtClean="0"/>
-              <a:t>k_mousepos</a:t>
-            </a:r>
-            <a:r>
-              <a:rPr lang="en-US" dirty="0" smtClean="0"/>
-              <a:t>: C6,</a:t>
-            </a:r>
-          </a:p>
-          <a:p>
-            <a:pPr>
-              <a:buNone/>
-            </a:pPr>
-            <a:r>
-              <a:rPr lang="en-US" dirty="0" smtClean="0"/>
-              <a:t>             uniform float4 </a:t>
-            </a:r>
-            <a:r>
-              <a:rPr lang="en-US" dirty="0" err="1" smtClean="0"/>
-              <a:t>mspos_light</a:t>
-            </a:r>
-            <a:r>
-              <a:rPr lang="en-US" dirty="0" smtClean="0"/>
-              <a:t> : C7,</a:t>
-            </a:r>
-          </a:p>
-          <a:p>
-            <a:pPr>
-              <a:buNone/>
-            </a:pPr>
-            <a:r>
-              <a:rPr lang="en-US" dirty="0" smtClean="0"/>
-              <a:t>             sampler2D tex_0,</a:t>
-            </a:r>
-          </a:p>
-          <a:p>
-            <a:pPr>
-              <a:buNone/>
-            </a:pPr>
-            <a:r>
-              <a:rPr lang="en-US" dirty="0" smtClean="0"/>
-              <a:t>             sampler2D tex_1,</a:t>
-            </a:r>
-          </a:p>
-          <a:p>
-            <a:pPr>
-              <a:buNone/>
-            </a:pPr>
-            <a:r>
-              <a:rPr lang="en-US" dirty="0" smtClean="0"/>
-              <a:t>             out float4 </a:t>
-            </a:r>
-            <a:r>
-              <a:rPr lang="en-US" dirty="0" err="1" smtClean="0"/>
-              <a:t>o_color</a:t>
-            </a:r>
-            <a:r>
-              <a:rPr lang="en-US" dirty="0" smtClean="0"/>
-              <a:t> : COLOR)</a:t>
-            </a:r>
-          </a:p>
-          <a:p>
-            <a:pPr>
-              <a:buNone/>
-            </a:pPr>
+              <a:t>Shader</a:t>
+            </a:r>
+            <a:r>
+              <a:rPr lang="en-US" dirty="0" smtClean="0"/>
+              <a:t> scaling</a:t>
+            </a:r>
+          </a:p>
+          <a:p>
+            <a:pPr lvl="1"/>
+            <a:r>
+              <a:rPr lang="en-US" dirty="0" smtClean="0"/>
+              <a:t>Same as above</a:t>
+            </a:r>
             <a:endParaRPr lang="en-US" dirty="0"/>
           </a:p>
         </p:txBody>
@@ -7246,6 +7089,249 @@
         </p:nvSpPr>
         <p:spPr/>
         <p:txBody>
+          <a:bodyPr>
+            <a:normAutofit/>
+          </a:bodyPr>
+          <a:lstStyle/>
+          <a:p>
+            <a:r>
+              <a:rPr lang="en-US" dirty="0" smtClean="0"/>
+              <a:t>Fragment </a:t>
+            </a:r>
+            <a:r>
+              <a:rPr lang="en-US" dirty="0" err="1" smtClean="0"/>
+              <a:t>Shader</a:t>
+            </a:r>
+            <a:r>
+              <a:rPr lang="en-US" dirty="0" smtClean="0"/>
+              <a:t> definition</a:t>
+            </a:r>
+            <a:endParaRPr lang="en-US" dirty="0"/>
+          </a:p>
+        </p:txBody>
+      </p:sp>
+      <p:sp>
+        <p:nvSpPr>
+          <p:cNvPr id="3" name="Content Placeholder 2"/>
+          <p:cNvSpPr>
+            <a:spLocks noGrp="1"/>
+          </p:cNvSpPr>
+          <p:nvPr>
+            <p:ph idx="1"/>
+          </p:nvPr>
+        </p:nvSpPr>
+        <p:spPr/>
+        <p:txBody>
+          <a:bodyPr>
+            <a:normAutofit fontScale="85000" lnSpcReduction="20000"/>
+          </a:bodyPr>
+          <a:lstStyle/>
+          <a:p>
+            <a:pPr>
+              <a:buNone/>
+            </a:pPr>
+            <a:r>
+              <a:rPr lang="en-US" dirty="0" smtClean="0"/>
+              <a:t>void </a:t>
+            </a:r>
+            <a:r>
+              <a:rPr lang="en-US" dirty="0" err="1" smtClean="0"/>
+              <a:t>fshader</a:t>
+            </a:r>
+            <a:r>
+              <a:rPr lang="en-US" dirty="0" smtClean="0"/>
+              <a:t>(float4 </a:t>
+            </a:r>
+            <a:r>
+              <a:rPr lang="en-US" dirty="0" err="1" smtClean="0"/>
+              <a:t>l_position</a:t>
+            </a:r>
+            <a:r>
+              <a:rPr lang="en-US" dirty="0" smtClean="0"/>
+              <a:t> : POSITION,</a:t>
+            </a:r>
+          </a:p>
+          <a:p>
+            <a:pPr>
+              <a:buNone/>
+            </a:pPr>
+            <a:r>
+              <a:rPr lang="en-US" dirty="0" smtClean="0"/>
+              <a:t>             float4 </a:t>
+            </a:r>
+            <a:r>
+              <a:rPr lang="en-US" dirty="0" err="1" smtClean="0"/>
+              <a:t>l_my_position</a:t>
+            </a:r>
+            <a:r>
+              <a:rPr lang="en-US" dirty="0" smtClean="0"/>
+              <a:t>: TEXCOORD0,</a:t>
+            </a:r>
+          </a:p>
+          <a:p>
+            <a:pPr>
+              <a:buNone/>
+            </a:pPr>
+            <a:r>
+              <a:rPr lang="en-US" dirty="0" smtClean="0"/>
+              <a:t>		 float2 l_texcoord0,</a:t>
+            </a:r>
+          </a:p>
+          <a:p>
+            <a:pPr>
+              <a:buNone/>
+            </a:pPr>
+            <a:r>
+              <a:rPr lang="en-US" dirty="0" smtClean="0"/>
+              <a:t>             float3 </a:t>
+            </a:r>
+            <a:r>
+              <a:rPr lang="en-US" dirty="0" err="1" smtClean="0"/>
+              <a:t>l_lightvec</a:t>
+            </a:r>
+            <a:r>
+              <a:rPr lang="en-US" dirty="0" smtClean="0"/>
+              <a:t>,</a:t>
+            </a:r>
+          </a:p>
+          <a:p>
+            <a:pPr>
+              <a:buNone/>
+            </a:pPr>
+            <a:r>
+              <a:rPr lang="en-US" dirty="0" smtClean="0"/>
+              <a:t>             float3 </a:t>
+            </a:r>
+            <a:r>
+              <a:rPr lang="en-US" dirty="0" err="1" smtClean="0"/>
+              <a:t>l_pointpos</a:t>
+            </a:r>
+            <a:r>
+              <a:rPr lang="en-US" dirty="0" smtClean="0"/>
+              <a:t>,</a:t>
+            </a:r>
+          </a:p>
+          <a:p>
+            <a:pPr>
+              <a:buNone/>
+            </a:pPr>
+            <a:r>
+              <a:rPr lang="en-US" dirty="0" smtClean="0"/>
+              <a:t>             uniform float4 </a:t>
+            </a:r>
+            <a:r>
+              <a:rPr lang="en-US" dirty="0" err="1" smtClean="0"/>
+              <a:t>k_mousepos</a:t>
+            </a:r>
+            <a:r>
+              <a:rPr lang="en-US" dirty="0" smtClean="0"/>
+              <a:t>: C6,</a:t>
+            </a:r>
+          </a:p>
+          <a:p>
+            <a:pPr>
+              <a:buNone/>
+            </a:pPr>
+            <a:r>
+              <a:rPr lang="en-US" dirty="0" smtClean="0"/>
+              <a:t>             uniform float4 </a:t>
+            </a:r>
+            <a:r>
+              <a:rPr lang="en-US" dirty="0" err="1" smtClean="0"/>
+              <a:t>mspos_light</a:t>
+            </a:r>
+            <a:r>
+              <a:rPr lang="en-US" dirty="0" smtClean="0"/>
+              <a:t> : C7,</a:t>
+            </a:r>
+          </a:p>
+          <a:p>
+            <a:pPr>
+              <a:buNone/>
+            </a:pPr>
+            <a:r>
+              <a:rPr lang="en-US" dirty="0" smtClean="0"/>
+              <a:t>             sampler2D tex_0,</a:t>
+            </a:r>
+          </a:p>
+          <a:p>
+            <a:pPr>
+              <a:buNone/>
+            </a:pPr>
+            <a:r>
+              <a:rPr lang="en-US" dirty="0" smtClean="0"/>
+              <a:t>             sampler2D tex_1,</a:t>
+            </a:r>
+          </a:p>
+          <a:p>
+            <a:pPr>
+              <a:buNone/>
+            </a:pPr>
+            <a:r>
+              <a:rPr lang="en-US" dirty="0" smtClean="0"/>
+              <a:t>             out float4 </a:t>
+            </a:r>
+            <a:r>
+              <a:rPr lang="en-US" dirty="0" err="1" smtClean="0"/>
+              <a:t>o_color</a:t>
+            </a:r>
+            <a:r>
+              <a:rPr lang="en-US" dirty="0" smtClean="0"/>
+              <a:t> : COLOR)</a:t>
+            </a:r>
+          </a:p>
+          <a:p>
+            <a:pPr>
+              <a:buNone/>
+            </a:pPr>
+            <a:endParaRPr lang="en-US" dirty="0"/>
+          </a:p>
+        </p:txBody>
+      </p:sp>
+    </p:spTree>
+  </p:cSld>
+  <p:clrMapOvr>
+    <a:masterClrMapping/>
+  </p:clrMapOvr>
+  <p:timing>
+    <p:tnLst>
+      <p:par>
+        <p:cTn id="1" dur="indefinite" restart="never" nodeType="tmRoot"/>
+      </p:par>
+    </p:tnLst>
+  </p:timing>
+</p:sld>
+</file>
+
+<file path=ppt/slides/slide33.xml><?xml version="1.0" encoding="utf-8"?>
+<p:sld xmlns:a="http://schemas.openxmlformats.org/drawingml/2006/main" xmlns:r="http://schemas.openxmlformats.org/officeDocument/2006/relationships" xmlns:p="http://schemas.openxmlformats.org/presentationml/2006/main">
+  <p:cSld>
+    <p:spTree>
+      <p:nvGrpSpPr>
+        <p:cNvPr id="1" name=""/>
+        <p:cNvGrpSpPr/>
+        <p:nvPr/>
+      </p:nvGrpSpPr>
+      <p:grpSpPr>
+        <a:xfrm>
+          <a:off x="0" y="0"/>
+          <a:ext cx="0" cy="0"/>
+          <a:chOff x="0" y="0"/>
+          <a:chExt cx="0" cy="0"/>
+        </a:xfrm>
+      </p:grpSpPr>
+      <p:sp>
+        <p:nvSpPr>
+          <p:cNvPr id="2" name="Title 1"/>
+          <p:cNvSpPr>
+            <a:spLocks noGrp="1"/>
+          </p:cNvSpPr>
+          <p:nvPr>
+            <p:ph type="title"/>
+          </p:nvPr>
+        </p:nvSpPr>
+        <p:spPr/>
+        <p:txBody>
           <a:bodyPr/>
           <a:lstStyle/>
           <a:p>
@@ -7531,6 +7617,83 @@
               <a:rPr lang="en-US" sz="1800" dirty="0" smtClean="0"/>
               <a:t> = float4(0,0,0,1);</a:t>
             </a:r>
+          </a:p>
+        </p:txBody>
+      </p:sp>
+    </p:spTree>
+  </p:cSld>
+  <p:clrMapOvr>
+    <a:masterClrMapping/>
+  </p:clrMapOvr>
+</p:sld>
+</file>
+
+<file path=ppt/slides/slide34.xml><?xml version="1.0" encoding="utf-8"?>
+<p:sld xmlns:a="http://schemas.openxmlformats.org/drawingml/2006/main" xmlns:r="http://schemas.openxmlformats.org/officeDocument/2006/relationships" xmlns:p="http://schemas.openxmlformats.org/presentationml/2006/main">
+  <p:cSld>
+    <p:spTree>
+      <p:nvGrpSpPr>
+        <p:cNvPr id="1" name=""/>
+        <p:cNvGrpSpPr/>
+        <p:nvPr/>
+      </p:nvGrpSpPr>
+      <p:grpSpPr>
+        <a:xfrm>
+          <a:off x="0" y="0"/>
+          <a:ext cx="0" cy="0"/>
+          <a:chOff x="0" y="0"/>
+          <a:chExt cx="0" cy="0"/>
+        </a:xfrm>
+      </p:grpSpPr>
+      <p:sp>
+        <p:nvSpPr>
+          <p:cNvPr id="2" name="Title 1"/>
+          <p:cNvSpPr>
+            <a:spLocks noGrp="1"/>
+          </p:cNvSpPr>
+          <p:nvPr>
+            <p:ph type="title"/>
+          </p:nvPr>
+        </p:nvSpPr>
+        <p:spPr/>
+        <p:txBody>
+          <a:bodyPr>
+            <a:normAutofit/>
+          </a:bodyPr>
+          <a:lstStyle/>
+          <a:p>
+            <a:r>
+              <a:rPr lang="en-US" dirty="0" smtClean="0"/>
+              <a:t>The End</a:t>
+            </a:r>
+            <a:endParaRPr lang="en-US" dirty="0"/>
+          </a:p>
+        </p:txBody>
+      </p:sp>
+      <p:sp>
+        <p:nvSpPr>
+          <p:cNvPr id="3" name="Content Placeholder 2"/>
+          <p:cNvSpPr>
+            <a:spLocks noGrp="1"/>
+          </p:cNvSpPr>
+          <p:nvPr>
+            <p:ph idx="1"/>
+          </p:nvPr>
+        </p:nvSpPr>
+        <p:spPr>
+          <a:xfrm>
+            <a:off x="533400" y="1600200"/>
+            <a:ext cx="8229600" cy="4525963"/>
+          </a:xfrm>
+        </p:spPr>
+        <p:txBody>
+          <a:bodyPr/>
+          <a:lstStyle/>
+          <a:p>
+            <a:pPr>
+              <a:buNone/>
+            </a:pPr>
+            <a:endParaRPr lang="en-US" dirty="0"/>
           </a:p>
         </p:txBody>
       </p:sp>
@@ -7986,7 +8149,15 @@
             </a:r>
             <a:r>
               <a:rPr lang="en-US" dirty="0" smtClean="0"/>
-              <a:t> (LERP)</a:t>
+              <a:t> (which are </a:t>
+            </a:r>
+            <a:r>
+              <a:rPr lang="en-US" dirty="0" err="1" smtClean="0"/>
+              <a:t>LERP’ed</a:t>
+            </a:r>
+            <a:r>
+              <a:rPr lang="en-US" dirty="0" smtClean="0"/>
+              <a:t>)</a:t>
             </a:r>
           </a:p>
           <a:p>
